--- a/Szablon1.pptx
+++ b/Szablon1.pptx
@@ -105,6 +105,11 @@
       </a:defRPr>
     </a:lvl9pPr>
   </p:defaultTextStyle>
+  <p:extLst>
+    <p:ext uri="{EFAFB233-063F-42B5-8137-9DF3F51BA10A}">
+      <p15:sldGuideLst xmlns:p15="http://schemas.microsoft.com/office/powerpoint/2012/main"/>
+    </p:ext>
+  </p:extLst>
 </p:presentation>
 </file>
 
@@ -2978,52 +2983,6 @@
           <a:chExt cx="0" cy="0"/>
         </a:xfrm>
       </p:grpSpPr>
-      <p:cxnSp>
-        <p:nvCxnSpPr>
-          <p:cNvPr id="38" name="Łącznik: łamany 37">
-            <a:extLst>
-              <a:ext uri="{FF2B5EF4-FFF2-40B4-BE49-F238E27FC236}">
-                <a16:creationId xmlns:a16="http://schemas.microsoft.com/office/drawing/2014/main" id="{7C4F0FA2-CCB2-4431-9753-65DACC54D8DF}"/>
-              </a:ext>
-            </a:extLst>
-          </p:cNvPr>
-          <p:cNvCxnSpPr>
-            <a:cxnSpLocks/>
-          </p:cNvCxnSpPr>
-          <p:nvPr/>
-        </p:nvCxnSpPr>
-        <p:spPr>
-          <a:xfrm rot="5400000">
-            <a:off x="498461" y="10282762"/>
-            <a:ext cx="2260600" cy="567275"/>
-          </a:xfrm>
-          <a:prstGeom prst="bentConnector3">
-            <a:avLst/>
-          </a:prstGeom>
-          <a:ln w="63500">
-            <a:solidFill>
-              <a:schemeClr val="bg1">
-                <a:lumMod val="75000"/>
-              </a:schemeClr>
-            </a:solidFill>
-            <a:tailEnd type="triangle"/>
-          </a:ln>
-        </p:spPr>
-        <p:style>
-          <a:lnRef idx="1">
-            <a:schemeClr val="accent1"/>
-          </a:lnRef>
-          <a:fillRef idx="0">
-            <a:schemeClr val="accent1"/>
-          </a:fillRef>
-          <a:effectRef idx="0">
-            <a:schemeClr val="accent1"/>
-          </a:effectRef>
-          <a:fontRef idx="minor">
-            <a:schemeClr val="tx1"/>
-          </a:fontRef>
-        </p:style>
-      </p:cxnSp>
       <p:sp>
         <p:nvSpPr>
           <p:cNvPr id="39" name="Prostokąt 38">
@@ -3264,7 +3223,7 @@
           <a:prstGeom prst="bentConnector3">
             <a:avLst/>
           </a:prstGeom>
-          <a:ln w="50800">
+          <a:ln w="104775">
             <a:solidFill>
               <a:schemeClr val="bg1">
                 <a:lumMod val="75000"/>
@@ -3304,13 +3263,13 @@
         </p:nvCxnSpPr>
         <p:spPr>
           <a:xfrm rot="16200000" flipH="1">
-            <a:off x="-709752" y="2068652"/>
-            <a:ext cx="4126700" cy="979998"/>
+            <a:off x="256033" y="3034437"/>
+            <a:ext cx="2314510" cy="860616"/>
           </a:xfrm>
           <a:prstGeom prst="bentConnector3">
             <a:avLst/>
           </a:prstGeom>
-          <a:ln w="76200">
+          <a:ln w="111125">
             <a:solidFill>
               <a:schemeClr val="bg1">
                 <a:lumMod val="75000"/>
@@ -3621,8 +3580,8 @@
         </p:nvSpPr>
         <p:spPr>
           <a:xfrm>
-            <a:off x="4421700" y="8817362"/>
-            <a:ext cx="1987550" cy="1755294"/>
+            <a:off x="4421700" y="8817361"/>
+            <a:ext cx="1987550" cy="3374637"/>
           </a:xfrm>
           <a:prstGeom prst="rect">
             <a:avLst/>
@@ -3681,7 +3640,348 @@
           <a:prstGeom prst="bentConnector3">
             <a:avLst/>
           </a:prstGeom>
-          <a:ln w="69850">
+          <a:ln w="111125">
+            <a:solidFill>
+              <a:schemeClr val="bg1">
+                <a:lumMod val="75000"/>
+              </a:schemeClr>
+            </a:solidFill>
+            <a:tailEnd type="triangle"/>
+          </a:ln>
+        </p:spPr>
+        <p:style>
+          <a:lnRef idx="1">
+            <a:schemeClr val="accent1"/>
+          </a:lnRef>
+          <a:fillRef idx="0">
+            <a:schemeClr val="accent1"/>
+          </a:fillRef>
+          <a:effectRef idx="0">
+            <a:schemeClr val="accent1"/>
+          </a:effectRef>
+          <a:fontRef idx="minor">
+            <a:schemeClr val="tx1"/>
+          </a:fontRef>
+        </p:style>
+      </p:cxnSp>
+      <p:sp>
+        <p:nvSpPr>
+          <p:cNvPr id="3" name="Prostokąt 2">
+            <a:extLst>
+              <a:ext uri="{FF2B5EF4-FFF2-40B4-BE49-F238E27FC236}">
+                <a16:creationId xmlns:a16="http://schemas.microsoft.com/office/drawing/2014/main" id="{053F604C-BE51-44A3-A789-E89A66CDE790}"/>
+              </a:ext>
+            </a:extLst>
+          </p:cNvPr>
+          <p:cNvSpPr/>
+          <p:nvPr/>
+        </p:nvSpPr>
+        <p:spPr>
+          <a:xfrm>
+            <a:off x="600585" y="404739"/>
+            <a:ext cx="5457315" cy="1171891"/>
+          </a:xfrm>
+          <a:prstGeom prst="rect">
+            <a:avLst/>
+          </a:prstGeom>
+          <a:solidFill>
+            <a:schemeClr val="dk1">
+              <a:alpha val="69000"/>
+            </a:schemeClr>
+          </a:solidFill>
+          <a:ln>
+            <a:solidFill>
+              <a:schemeClr val="bg1"/>
+            </a:solidFill>
+          </a:ln>
+        </p:spPr>
+        <p:style>
+          <a:lnRef idx="2">
+            <a:schemeClr val="dk1">
+              <a:shade val="50000"/>
+            </a:schemeClr>
+          </a:lnRef>
+          <a:fillRef idx="1">
+            <a:schemeClr val="dk1"/>
+          </a:fillRef>
+          <a:effectRef idx="0">
+            <a:schemeClr val="dk1"/>
+          </a:effectRef>
+          <a:fontRef idx="minor">
+            <a:schemeClr val="lt1"/>
+          </a:fontRef>
+        </p:style>
+        <p:txBody>
+          <a:bodyPr rtlCol="0" anchor="ctr"/>
+          <a:lstStyle/>
+          <a:p>
+            <a:pPr algn="ctr"/>
+            <a:r>
+              <a:rPr lang="pl-PL" sz="3600" dirty="0"/>
+              <a:t>TYTUŁ</a:t>
+            </a:r>
+            <a:endParaRPr lang="pl-PL" dirty="0"/>
+          </a:p>
+        </p:txBody>
+      </p:sp>
+      <p:sp>
+        <p:nvSpPr>
+          <p:cNvPr id="19" name="Prostokąt 18">
+            <a:extLst>
+              <a:ext uri="{FF2B5EF4-FFF2-40B4-BE49-F238E27FC236}">
+                <a16:creationId xmlns:a16="http://schemas.microsoft.com/office/drawing/2014/main" id="{080B508F-3749-4678-AEA7-91A7800D57D9}"/>
+              </a:ext>
+            </a:extLst>
+          </p:cNvPr>
+          <p:cNvSpPr/>
+          <p:nvPr/>
+        </p:nvSpPr>
+        <p:spPr>
+          <a:xfrm>
+            <a:off x="2686817" y="2307490"/>
+            <a:ext cx="3371083" cy="2817466"/>
+          </a:xfrm>
+          <a:prstGeom prst="rect">
+            <a:avLst/>
+          </a:prstGeom>
+          <a:solidFill>
+            <a:schemeClr val="dk1">
+              <a:alpha val="69000"/>
+            </a:schemeClr>
+          </a:solidFill>
+          <a:ln>
+            <a:solidFill>
+              <a:schemeClr val="bg1"/>
+            </a:solidFill>
+          </a:ln>
+        </p:spPr>
+        <p:style>
+          <a:lnRef idx="2">
+            <a:schemeClr val="dk1">
+              <a:shade val="50000"/>
+            </a:schemeClr>
+          </a:lnRef>
+          <a:fillRef idx="1">
+            <a:schemeClr val="dk1"/>
+          </a:fillRef>
+          <a:effectRef idx="0">
+            <a:schemeClr val="dk1"/>
+          </a:effectRef>
+          <a:fontRef idx="minor">
+            <a:schemeClr val="lt1"/>
+          </a:fontRef>
+        </p:style>
+        <p:txBody>
+          <a:bodyPr rtlCol="0" anchor="ctr"/>
+          <a:lstStyle/>
+          <a:p>
+            <a:pPr algn="ctr"/>
+            <a:r>
+              <a:rPr lang="pl-PL" sz="3600" dirty="0"/>
+              <a:t>Tekst 1</a:t>
+            </a:r>
+            <a:endParaRPr lang="pl-PL" dirty="0"/>
+          </a:p>
+        </p:txBody>
+      </p:sp>
+      <p:sp>
+        <p:nvSpPr>
+          <p:cNvPr id="20" name="Prostokąt 19">
+            <a:extLst>
+              <a:ext uri="{FF2B5EF4-FFF2-40B4-BE49-F238E27FC236}">
+                <a16:creationId xmlns:a16="http://schemas.microsoft.com/office/drawing/2014/main" id="{99BACBF7-0C39-4443-BF8C-37342DFFEE2D}"/>
+              </a:ext>
+            </a:extLst>
+          </p:cNvPr>
+          <p:cNvSpPr/>
+          <p:nvPr/>
+        </p:nvSpPr>
+        <p:spPr>
+          <a:xfrm>
+            <a:off x="2386524" y="6072077"/>
+            <a:ext cx="3671376" cy="2014425"/>
+          </a:xfrm>
+          <a:prstGeom prst="rect">
+            <a:avLst/>
+          </a:prstGeom>
+          <a:solidFill>
+            <a:schemeClr val="dk1">
+              <a:alpha val="69000"/>
+            </a:schemeClr>
+          </a:solidFill>
+          <a:ln>
+            <a:solidFill>
+              <a:schemeClr val="bg1"/>
+            </a:solidFill>
+          </a:ln>
+        </p:spPr>
+        <p:style>
+          <a:lnRef idx="2">
+            <a:schemeClr val="dk1">
+              <a:shade val="50000"/>
+            </a:schemeClr>
+          </a:lnRef>
+          <a:fillRef idx="1">
+            <a:schemeClr val="dk1"/>
+          </a:fillRef>
+          <a:effectRef idx="0">
+            <a:schemeClr val="dk1"/>
+          </a:effectRef>
+          <a:fontRef idx="minor">
+            <a:schemeClr val="lt1"/>
+          </a:fontRef>
+        </p:style>
+        <p:txBody>
+          <a:bodyPr rtlCol="0" anchor="ctr"/>
+          <a:lstStyle/>
+          <a:p>
+            <a:pPr algn="ctr"/>
+            <a:r>
+              <a:rPr lang="pl-PL" sz="3600" dirty="0"/>
+              <a:t>Obrazek 1</a:t>
+            </a:r>
+            <a:endParaRPr lang="pl-PL" dirty="0"/>
+          </a:p>
+        </p:txBody>
+      </p:sp>
+      <p:sp>
+        <p:nvSpPr>
+          <p:cNvPr id="21" name="Prostokąt 20">
+            <a:extLst>
+              <a:ext uri="{FF2B5EF4-FFF2-40B4-BE49-F238E27FC236}">
+                <a16:creationId xmlns:a16="http://schemas.microsoft.com/office/drawing/2014/main" id="{3400869A-C5A7-4CD3-A7B9-8CE728303F9F}"/>
+              </a:ext>
+            </a:extLst>
+          </p:cNvPr>
+          <p:cNvSpPr/>
+          <p:nvPr/>
+        </p:nvSpPr>
+        <p:spPr>
+          <a:xfrm>
+            <a:off x="372781" y="10654506"/>
+            <a:ext cx="3999706" cy="1537493"/>
+          </a:xfrm>
+          <a:prstGeom prst="rect">
+            <a:avLst/>
+          </a:prstGeom>
+          <a:solidFill>
+            <a:schemeClr val="accent6">
+              <a:lumMod val="75000"/>
+              <a:alpha val="43000"/>
+            </a:schemeClr>
+          </a:solidFill>
+          <a:ln>
+            <a:noFill/>
+          </a:ln>
+        </p:spPr>
+        <p:style>
+          <a:lnRef idx="2">
+            <a:schemeClr val="accent1">
+              <a:shade val="50000"/>
+            </a:schemeClr>
+          </a:lnRef>
+          <a:fillRef idx="1">
+            <a:schemeClr val="accent1"/>
+          </a:fillRef>
+          <a:effectRef idx="0">
+            <a:schemeClr val="accent1"/>
+          </a:effectRef>
+          <a:fontRef idx="minor">
+            <a:schemeClr val="lt1"/>
+          </a:fontRef>
+        </p:style>
+        <p:txBody>
+          <a:bodyPr rtlCol="0" anchor="ctr"/>
+          <a:lstStyle/>
+          <a:p>
+            <a:pPr algn="ctr"/>
+            <a:endParaRPr lang="pl-PL"/>
+          </a:p>
+        </p:txBody>
+      </p:sp>
+      <p:sp>
+        <p:nvSpPr>
+          <p:cNvPr id="24" name="Prostokąt 23">
+            <a:extLst>
+              <a:ext uri="{FF2B5EF4-FFF2-40B4-BE49-F238E27FC236}">
+                <a16:creationId xmlns:a16="http://schemas.microsoft.com/office/drawing/2014/main" id="{81476952-5C97-463D-A79C-CFBEB77C3A7E}"/>
+              </a:ext>
+            </a:extLst>
+          </p:cNvPr>
+          <p:cNvSpPr/>
+          <p:nvPr/>
+        </p:nvSpPr>
+        <p:spPr>
+          <a:xfrm>
+            <a:off x="2686817" y="9340075"/>
+            <a:ext cx="3371083" cy="2433103"/>
+          </a:xfrm>
+          <a:prstGeom prst="rect">
+            <a:avLst/>
+          </a:prstGeom>
+          <a:solidFill>
+            <a:schemeClr val="dk1">
+              <a:alpha val="69000"/>
+            </a:schemeClr>
+          </a:solidFill>
+          <a:ln>
+            <a:solidFill>
+              <a:schemeClr val="bg1"/>
+            </a:solidFill>
+          </a:ln>
+        </p:spPr>
+        <p:style>
+          <a:lnRef idx="2">
+            <a:schemeClr val="dk1">
+              <a:shade val="50000"/>
+            </a:schemeClr>
+          </a:lnRef>
+          <a:fillRef idx="1">
+            <a:schemeClr val="dk1"/>
+          </a:fillRef>
+          <a:effectRef idx="0">
+            <a:schemeClr val="dk1"/>
+          </a:effectRef>
+          <a:fontRef idx="minor">
+            <a:schemeClr val="lt1"/>
+          </a:fontRef>
+        </p:style>
+        <p:txBody>
+          <a:bodyPr rtlCol="0" anchor="ctr"/>
+          <a:lstStyle/>
+          <a:p>
+            <a:pPr algn="ctr"/>
+            <a:r>
+              <a:rPr lang="pl-PL" sz="3600" dirty="0"/>
+              <a:t>Tekst2</a:t>
+            </a:r>
+            <a:endParaRPr lang="pl-PL" dirty="0"/>
+          </a:p>
+        </p:txBody>
+      </p:sp>
+      <p:cxnSp>
+        <p:nvCxnSpPr>
+          <p:cNvPr id="26" name="Łącznik: łamany 25">
+            <a:extLst>
+              <a:ext uri="{FF2B5EF4-FFF2-40B4-BE49-F238E27FC236}">
+                <a16:creationId xmlns:a16="http://schemas.microsoft.com/office/drawing/2014/main" id="{9CAAE9EB-B40E-4E5A-B7EA-B126443643C8}"/>
+              </a:ext>
+            </a:extLst>
+          </p:cNvPr>
+          <p:cNvCxnSpPr>
+            <a:cxnSpLocks/>
+          </p:cNvCxnSpPr>
+          <p:nvPr/>
+        </p:nvCxnSpPr>
+        <p:spPr>
+          <a:xfrm rot="5400000">
+            <a:off x="498461" y="10282762"/>
+            <a:ext cx="2260600" cy="567275"/>
+          </a:xfrm>
+          <a:prstGeom prst="bentConnector3">
+            <a:avLst/>
+          </a:prstGeom>
+          <a:ln w="104775">
             <a:solidFill>
               <a:schemeClr val="bg1">
                 <a:lumMod val="75000"/>
